--- a/Diagnostics/local/Cori/figures/New Microsoft PowerPoint Presentation (4).pptx
+++ b/Diagnostics/local/Cori/figures/New Microsoft PowerPoint Presentation (4).pptx
@@ -104,6 +104,11 @@
       </a:defRPr>
     </a:lvl9pPr>
   </p:defaultTextStyle>
+  <p:extLst>
+    <p:ext uri="{EFAFB233-063F-42B5-8137-9DF3F51BA10A}">
+      <p15:sldGuideLst xmlns:p15="http://schemas.microsoft.com/office/powerpoint/2012/main"/>
+    </p:ext>
+  </p:extLst>
 </p:presentation>
 </file>
 
@@ -238,7 +243,7 @@
           <a:p>
             <a:fld id="{FC8AF82E-697C-4C99-A3EE-20D417735FDB}" type="datetimeFigureOut">
               <a:rPr lang="en-US" smtClean="0"/>
-              <a:t>1/29/2023</a:t>
+              <a:t>1/30/2023</a:t>
             </a:fld>
             <a:endParaRPr lang="en-US"/>
           </a:p>
@@ -408,7 +413,7 @@
           <a:p>
             <a:fld id="{FC8AF82E-697C-4C99-A3EE-20D417735FDB}" type="datetimeFigureOut">
               <a:rPr lang="en-US" smtClean="0"/>
-              <a:t>1/29/2023</a:t>
+              <a:t>1/30/2023</a:t>
             </a:fld>
             <a:endParaRPr lang="en-US"/>
           </a:p>
@@ -588,7 +593,7 @@
           <a:p>
             <a:fld id="{FC8AF82E-697C-4C99-A3EE-20D417735FDB}" type="datetimeFigureOut">
               <a:rPr lang="en-US" smtClean="0"/>
-              <a:t>1/29/2023</a:t>
+              <a:t>1/30/2023</a:t>
             </a:fld>
             <a:endParaRPr lang="en-US"/>
           </a:p>
@@ -758,7 +763,7 @@
           <a:p>
             <a:fld id="{FC8AF82E-697C-4C99-A3EE-20D417735FDB}" type="datetimeFigureOut">
               <a:rPr lang="en-US" smtClean="0"/>
-              <a:t>1/29/2023</a:t>
+              <a:t>1/30/2023</a:t>
             </a:fld>
             <a:endParaRPr lang="en-US"/>
           </a:p>
@@ -1004,7 +1009,7 @@
           <a:p>
             <a:fld id="{FC8AF82E-697C-4C99-A3EE-20D417735FDB}" type="datetimeFigureOut">
               <a:rPr lang="en-US" smtClean="0"/>
-              <a:t>1/29/2023</a:t>
+              <a:t>1/30/2023</a:t>
             </a:fld>
             <a:endParaRPr lang="en-US"/>
           </a:p>
@@ -1236,7 +1241,7 @@
           <a:p>
             <a:fld id="{FC8AF82E-697C-4C99-A3EE-20D417735FDB}" type="datetimeFigureOut">
               <a:rPr lang="en-US" smtClean="0"/>
-              <a:t>1/29/2023</a:t>
+              <a:t>1/30/2023</a:t>
             </a:fld>
             <a:endParaRPr lang="en-US"/>
           </a:p>
@@ -1603,7 +1608,7 @@
           <a:p>
             <a:fld id="{FC8AF82E-697C-4C99-A3EE-20D417735FDB}" type="datetimeFigureOut">
               <a:rPr lang="en-US" smtClean="0"/>
-              <a:t>1/29/2023</a:t>
+              <a:t>1/30/2023</a:t>
             </a:fld>
             <a:endParaRPr lang="en-US"/>
           </a:p>
@@ -1721,7 +1726,7 @@
           <a:p>
             <a:fld id="{FC8AF82E-697C-4C99-A3EE-20D417735FDB}" type="datetimeFigureOut">
               <a:rPr lang="en-US" smtClean="0"/>
-              <a:t>1/29/2023</a:t>
+              <a:t>1/30/2023</a:t>
             </a:fld>
             <a:endParaRPr lang="en-US"/>
           </a:p>
@@ -1816,7 +1821,7 @@
           <a:p>
             <a:fld id="{FC8AF82E-697C-4C99-A3EE-20D417735FDB}" type="datetimeFigureOut">
               <a:rPr lang="en-US" smtClean="0"/>
-              <a:t>1/29/2023</a:t>
+              <a:t>1/30/2023</a:t>
             </a:fld>
             <a:endParaRPr lang="en-US"/>
           </a:p>
@@ -2093,7 +2098,7 @@
           <a:p>
             <a:fld id="{FC8AF82E-697C-4C99-A3EE-20D417735FDB}" type="datetimeFigureOut">
               <a:rPr lang="en-US" smtClean="0"/>
-              <a:t>1/29/2023</a:t>
+              <a:t>1/30/2023</a:t>
             </a:fld>
             <a:endParaRPr lang="en-US"/>
           </a:p>
@@ -2350,7 +2355,7 @@
           <a:p>
             <a:fld id="{FC8AF82E-697C-4C99-A3EE-20D417735FDB}" type="datetimeFigureOut">
               <a:rPr lang="en-US" smtClean="0"/>
-              <a:t>1/29/2023</a:t>
+              <a:t>1/30/2023</a:t>
             </a:fld>
             <a:endParaRPr lang="en-US"/>
           </a:p>
@@ -2563,7 +2568,7 @@
           <a:p>
             <a:fld id="{FC8AF82E-697C-4C99-A3EE-20D417735FDB}" type="datetimeFigureOut">
               <a:rPr lang="en-US" smtClean="0"/>
-              <a:t>1/29/2023</a:t>
+              <a:t>1/30/2023</a:t>
             </a:fld>
             <a:endParaRPr lang="en-US"/>
           </a:p>
@@ -2996,21 +3001,91 @@
         </p:blipFill>
         <p:spPr>
           <a:xfrm>
-            <a:off x="3757462" y="199155"/>
-            <a:ext cx="2643338" cy="2086845"/>
+            <a:off x="3582444" y="60982"/>
+            <a:ext cx="2818356" cy="2225018"/>
           </a:xfrm>
           <a:prstGeom prst="rect">
             <a:avLst/>
           </a:prstGeom>
         </p:spPr>
       </p:pic>
+      <p:sp>
+        <p:nvSpPr>
+          <p:cNvPr id="10" name="TextBox 9">
+            <a:extLst>
+              <a:ext uri="{FF2B5EF4-FFF2-40B4-BE49-F238E27FC236}">
+                <a16:creationId xmlns:a16="http://schemas.microsoft.com/office/drawing/2014/main" id="{26B49E20-6EC2-4D86-AF1A-DA045FB777AF}"/>
+              </a:ext>
+            </a:extLst>
+          </p:cNvPr>
+          <p:cNvSpPr txBox="1"/>
+          <p:nvPr/>
+        </p:nvSpPr>
+        <p:spPr>
+          <a:xfrm>
+            <a:off x="0" y="-12526"/>
+            <a:ext cx="356188" cy="276999"/>
+          </a:xfrm>
+          <a:prstGeom prst="rect">
+            <a:avLst/>
+          </a:prstGeom>
+          <a:noFill/>
+        </p:spPr>
+        <p:txBody>
+          <a:bodyPr wrap="none" rtlCol="0">
+            <a:spAutoFit/>
+          </a:bodyPr>
+          <a:lstStyle/>
+          <a:p>
+            <a:r>
+              <a:rPr lang="en-US" sz="1200" b="1" dirty="0"/>
+              <a:t>(a)</a:t>
+            </a:r>
+          </a:p>
+        </p:txBody>
+      </p:sp>
+      <p:sp>
+        <p:nvSpPr>
+          <p:cNvPr id="11" name="TextBox 10">
+            <a:extLst>
+              <a:ext uri="{FF2B5EF4-FFF2-40B4-BE49-F238E27FC236}">
+                <a16:creationId xmlns:a16="http://schemas.microsoft.com/office/drawing/2014/main" id="{36AE29D3-F03A-4D48-ABFF-4A4299746C1A}"/>
+              </a:ext>
+            </a:extLst>
+          </p:cNvPr>
+          <p:cNvSpPr txBox="1"/>
+          <p:nvPr/>
+        </p:nvSpPr>
+        <p:spPr>
+          <a:xfrm>
+            <a:off x="3697266" y="0"/>
+            <a:ext cx="364202" cy="276999"/>
+          </a:xfrm>
+          <a:prstGeom prst="rect">
+            <a:avLst/>
+          </a:prstGeom>
+          <a:noFill/>
+        </p:spPr>
+        <p:txBody>
+          <a:bodyPr wrap="none" rtlCol="0">
+            <a:spAutoFit/>
+          </a:bodyPr>
+          <a:lstStyle/>
+          <a:p>
+            <a:r>
+              <a:rPr lang="en-US" sz="1200" b="1" dirty="0"/>
+              <a:t>(b)</a:t>
+            </a:r>
+          </a:p>
+        </p:txBody>
+      </p:sp>
       <p:graphicFrame>
         <p:nvGraphicFramePr>
-          <p:cNvPr id="9" name="Object 8">
+          <p:cNvPr id="2" name="Object 1">
             <a:hlinkClick r:id="" action="ppaction://ole?verb=0"/>
             <a:extLst>
               <a:ext uri="{FF2B5EF4-FFF2-40B4-BE49-F238E27FC236}">
-                <a16:creationId xmlns:a16="http://schemas.microsoft.com/office/drawing/2014/main" id="{12A6D43C-A2B7-4943-87FA-9C89E0C4EDFC}"/>
+                <a16:creationId xmlns:a16="http://schemas.microsoft.com/office/drawing/2014/main" id="{9425449E-15C3-4ABC-9E56-E52054E7ACCF}"/>
               </a:ext>
             </a:extLst>
           </p:cNvPr>
@@ -3020,20 +3095,20 @@
           <p:nvPr>
             <p:extLst>
               <p:ext uri="{D42A27DB-BD31-4B8C-83A1-F6EECF244321}">
-                <p14:modId xmlns:p14="http://schemas.microsoft.com/office/powerpoint/2010/main" val="4005265113"/>
+                <p14:modId xmlns:p14="http://schemas.microsoft.com/office/powerpoint/2010/main" val="830729342"/>
               </p:ext>
             </p:extLst>
           </p:nvPr>
         </p:nvGraphicFramePr>
         <p:xfrm>
-          <a:off x="0" y="242170"/>
-          <a:ext cx="3625338" cy="2043830"/>
+          <a:off x="0" y="240246"/>
+          <a:ext cx="3628373" cy="2045754"/>
         </p:xfrm>
         <a:graphic>
           <a:graphicData uri="http://schemas.openxmlformats.org/presentationml/2006/ole">
             <mc:AlternateContent xmlns:mc="http://schemas.openxmlformats.org/markup-compatibility/2006">
               <mc:Choice xmlns:v="urn:schemas-microsoft-com:vml" Requires="v">
-                <p:oleObj spid="_x0000_s1026" name="Presentation" r:id="rId4" imgW="5029390" imgH="2834738" progId="PowerPoint.Show.12">
+                <p:oleObj spid="_x0000_s1028" name="Presentation" r:id="rId4" imgW="5029390" imgH="2834738" progId="PowerPoint.Show.12">
                   <p:embed/>
                 </p:oleObj>
               </mc:Choice>
@@ -3054,8 +3129,8 @@
                     </p:blipFill>
                     <p:spPr>
                       <a:xfrm>
-                        <a:off x="0" y="242170"/>
-                        <a:ext cx="3625338" cy="2043830"/>
+                        <a:off x="0" y="240246"/>
+                        <a:ext cx="3628373" cy="2045754"/>
                       </a:xfrm>
                       <a:prstGeom prst="rect">
                         <a:avLst/>
@@ -3068,76 +3143,6 @@
           </a:graphicData>
         </a:graphic>
       </p:graphicFrame>
-      <p:sp>
-        <p:nvSpPr>
-          <p:cNvPr id="10" name="TextBox 9">
-            <a:extLst>
-              <a:ext uri="{FF2B5EF4-FFF2-40B4-BE49-F238E27FC236}">
-                <a16:creationId xmlns:a16="http://schemas.microsoft.com/office/drawing/2014/main" id="{26B49E20-6EC2-4D86-AF1A-DA045FB777AF}"/>
-              </a:ext>
-            </a:extLst>
-          </p:cNvPr>
-          <p:cNvSpPr txBox="1"/>
-          <p:nvPr/>
-        </p:nvSpPr>
-        <p:spPr>
-          <a:xfrm>
-            <a:off x="0" y="-12526"/>
-            <a:ext cx="351378" cy="276999"/>
-          </a:xfrm>
-          <a:prstGeom prst="rect">
-            <a:avLst/>
-          </a:prstGeom>
-          <a:noFill/>
-        </p:spPr>
-        <p:txBody>
-          <a:bodyPr wrap="none" rtlCol="0">
-            <a:spAutoFit/>
-          </a:bodyPr>
-          <a:lstStyle/>
-          <a:p>
-            <a:r>
-              <a:rPr lang="en-US" sz="1200" dirty="0"/>
-              <a:t>(a)</a:t>
-            </a:r>
-          </a:p>
-        </p:txBody>
-      </p:sp>
-      <p:sp>
-        <p:nvSpPr>
-          <p:cNvPr id="11" name="TextBox 10">
-            <a:extLst>
-              <a:ext uri="{FF2B5EF4-FFF2-40B4-BE49-F238E27FC236}">
-                <a16:creationId xmlns:a16="http://schemas.microsoft.com/office/drawing/2014/main" id="{36AE29D3-F03A-4D48-ABFF-4A4299746C1A}"/>
-              </a:ext>
-            </a:extLst>
-          </p:cNvPr>
-          <p:cNvSpPr txBox="1"/>
-          <p:nvPr/>
-        </p:nvSpPr>
-        <p:spPr>
-          <a:xfrm>
-            <a:off x="3697266" y="0"/>
-            <a:ext cx="357790" cy="276999"/>
-          </a:xfrm>
-          <a:prstGeom prst="rect">
-            <a:avLst/>
-          </a:prstGeom>
-          <a:noFill/>
-        </p:spPr>
-        <p:txBody>
-          <a:bodyPr wrap="none" rtlCol="0">
-            <a:spAutoFit/>
-          </a:bodyPr>
-          <a:lstStyle/>
-          <a:p>
-            <a:r>
-              <a:rPr lang="en-US" sz="1200" dirty="0"/>
-              <a:t>(b)</a:t>
-            </a:r>
-          </a:p>
-        </p:txBody>
-      </p:sp>
     </p:spTree>
     <p:extLst>
       <p:ext uri="{BB962C8B-B14F-4D97-AF65-F5344CB8AC3E}">
